--- a/Slides/Aula7.pptx
+++ b/Slides/Aula7.pptx
@@ -2878,7 +2878,7 @@
             <a:fld id="{0A98AF03-7270-45C2-A683-C5E353EF01A5}" type="datetime4">
               <a:rPr lang="en-US" smtClean="0"/>
               <a:pPr/>
-              <a:t>June 10, 2015</a:t>
+              <a:t>June 11, 2015</a:t>
             </a:fld>
             <a:endParaRPr lang="en-US" dirty="0"/>
           </a:p>
@@ -3165,7 +3165,7 @@
             <a:fld id="{A2FB5AFD-D735-4504-A039-ADEBB6448D55}" type="datetime4">
               <a:rPr lang="en-US" smtClean="0"/>
               <a:pPr/>
-              <a:t>June 10, 2015</a:t>
+              <a:t>June 11, 2015</a:t>
             </a:fld>
             <a:endParaRPr lang="en-US"/>
           </a:p>
@@ -3342,7 +3342,7 @@
             <a:fld id="{AB5C8118-FB93-4E87-B380-0175F2FE2167}" type="datetime4">
               <a:rPr lang="en-US" smtClean="0"/>
               <a:pPr/>
-              <a:t>June 10, 2015</a:t>
+              <a:t>June 11, 2015</a:t>
             </a:fld>
             <a:endParaRPr lang="en-US"/>
           </a:p>
@@ -3509,7 +3509,7 @@
             <a:fld id="{05A93482-8E69-40F7-BCAD-5662A6CADB27}" type="datetime4">
               <a:rPr lang="en-US" smtClean="0"/>
               <a:pPr/>
-              <a:t>June 10, 2015</a:t>
+              <a:t>June 11, 2015</a:t>
             </a:fld>
             <a:endParaRPr lang="en-US"/>
           </a:p>
@@ -3752,7 +3752,7 @@
             <a:fld id="{FBB7EAE1-CAAC-4AEF-919E-158692B1E55E}" type="datetime4">
               <a:rPr lang="en-US" smtClean="0"/>
               <a:pPr/>
-              <a:t>June 10, 2015</a:t>
+              <a:t>June 11, 2015</a:t>
             </a:fld>
             <a:endParaRPr lang="en-US"/>
           </a:p>
@@ -3867,7 +3867,7 @@
             <a:fld id="{9525A706-D8F2-4D1A-855A-CADC92600C26}" type="datetime4">
               <a:rPr lang="en-US" smtClean="0"/>
               <a:pPr/>
-              <a:t>June 10, 2015</a:t>
+              <a:t>June 11, 2015</a:t>
             </a:fld>
             <a:endParaRPr lang="en-US"/>
           </a:p>
@@ -4408,7 +4408,7 @@
             <a:fld id="{99B4F123-1704-49AC-9D15-C4B1462B8014}" type="datetime4">
               <a:rPr lang="en-US" smtClean="0"/>
               <a:pPr/>
-              <a:t>June 10, 2015</a:t>
+              <a:t>June 11, 2015</a:t>
             </a:fld>
             <a:endParaRPr lang="en-US"/>
           </a:p>
@@ -4523,7 +4523,7 @@
             <a:fld id="{E3127EC2-47FB-48A1-8644-C8A81DDAA119}" type="datetime4">
               <a:rPr lang="en-US" smtClean="0"/>
               <a:pPr/>
-              <a:t>June 10, 2015</a:t>
+              <a:t>June 11, 2015</a:t>
             </a:fld>
             <a:endParaRPr lang="en-US"/>
           </a:p>
@@ -4615,7 +4615,7 @@
             <a:fld id="{AE3EC3ED-7435-49F9-84C8-03CCA2F8DEDB}" type="datetime4">
               <a:rPr lang="en-US" smtClean="0"/>
               <a:pPr/>
-              <a:t>June 10, 2015</a:t>
+              <a:t>June 11, 2015</a:t>
             </a:fld>
             <a:endParaRPr lang="en-US"/>
           </a:p>
@@ -7268,7 +7268,7 @@
             <a:fld id="{3FC49BF1-FCD3-4395-8FF6-0047AF66228E}" type="datetime4">
               <a:rPr lang="en-US" smtClean="0"/>
               <a:pPr/>
-              <a:t>June 10, 2015</a:t>
+              <a:t>June 11, 2015</a:t>
             </a:fld>
             <a:endParaRPr lang="en-US"/>
           </a:p>
@@ -10482,7 +10482,7 @@
             <a:fld id="{CA861222-2C8B-4501-BE87-6797EC025925}" type="datetime4">
               <a:rPr lang="en-US" smtClean="0"/>
               <a:pPr/>
-              <a:t>June 10, 2015</a:t>
+              <a:t>June 11, 2015</a:t>
             </a:fld>
             <a:endParaRPr lang="en-US"/>
           </a:p>
@@ -13306,7 +13306,7 @@
             <a:fld id="{16C01193-8287-4834-A286-6B880643E934}" type="datetime4">
               <a:rPr lang="en-US" smtClean="0"/>
               <a:pPr/>
-              <a:t>June 10, 2015</a:t>
+              <a:t>June 11, 2015</a:t>
             </a:fld>
             <a:endParaRPr lang="en-US"/>
           </a:p>
@@ -13840,6 +13840,13 @@
   <p:clrMapOvr>
     <a:masterClrMapping/>
   </p:clrMapOvr>
+  <p:timing>
+    <p:tnLst>
+      <p:par>
+        <p:cTn xmlns:p14="http://schemas.microsoft.com/office/powerpoint/2010/main" id="1" dur="indefinite" restart="never" nodeType="tmRoot"/>
+      </p:par>
+    </p:tnLst>
+  </p:timing>
 </p:sld>
 </file>
 
@@ -13920,11 +13927,6 @@
               </a:rPr>
               <a:t> </a:t>
             </a:r>
-            <a:endParaRPr lang="en-US" b="1" dirty="0">
-              <a:solidFill>
-                <a:srgbClr val="FF00FF"/>
-              </a:solidFill>
-            </a:endParaRPr>
           </a:p>
           <a:p>
             <a:pPr lvl="1">
@@ -13933,11 +13935,7 @@
             </a:pPr>
             <a:r>
               <a:rPr lang="pt-BR" dirty="0" smtClean="0"/>
-              <a:t>Imagine quatro molas, uma em cada lado da tela. Agora voc</a:t>
-            </a:r>
-            <a:r>
-              <a:rPr lang="pt-BR" dirty="0" smtClean="0"/>
-              <a:t>ê tem o controle individual sobre o “amortecimento” de cada uma; (</a:t>
+              <a:t>Imagine quatro molas, uma em cada lado da tela. Agora você tem o controle individual sobre o “amortecimento” de cada uma; (</a:t>
             </a:r>
             <a:r>
               <a:rPr lang="pt-BR" dirty="0" err="1" smtClean="0"/>
@@ -13969,11 +13967,6 @@
               </a:rPr>
               <a:t> </a:t>
             </a:r>
-            <a:endParaRPr lang="pt-BR" b="1" dirty="0">
-              <a:solidFill>
-                <a:srgbClr val="FF00FF"/>
-              </a:solidFill>
-            </a:endParaRPr>
           </a:p>
           <a:p>
             <a:pPr lvl="1">
@@ -13982,11 +13975,7 @@
             </a:pPr>
             <a:r>
               <a:rPr lang="pt-BR" dirty="0" smtClean="0"/>
-              <a:t>Modo (cont</a:t>
-            </a:r>
-            <a:r>
-              <a:rPr lang="pt-BR" dirty="0" smtClean="0"/>
-              <a:t>ínuo ou instantâneo);</a:t>
+              <a:t>Modo (contínuo ou instantâneo);</a:t>
             </a:r>
           </a:p>
           <a:p>
@@ -14365,11 +14354,7 @@
             </a:pPr>
             <a:r>
               <a:rPr lang="pt-BR" dirty="0" smtClean="0"/>
-              <a:t>Provavelmente voc</a:t>
-            </a:r>
-            <a:r>
-              <a:rPr lang="pt-BR" dirty="0" smtClean="0"/>
-              <a:t>ê irá querer fazer seu próprio </a:t>
+              <a:t>Provavelmente você irá querer fazer seu próprio </a:t>
             </a:r>
             <a:r>
               <a:rPr lang="pt-BR" b="1" dirty="0" err="1" smtClean="0"/>
@@ -14407,11 +14392,7 @@
             </a:r>
             <a:r>
               <a:rPr lang="pt-BR" dirty="0" smtClean="0"/>
-              <a:t>e chamando o m</a:t>
-            </a:r>
-            <a:r>
-              <a:rPr lang="pt-BR" dirty="0" smtClean="0"/>
-              <a:t>étodo:</a:t>
+              <a:t>e chamando o método:</a:t>
             </a:r>
           </a:p>
           <a:p>
@@ -14484,11 +14465,7 @@
             </a:pPr>
             <a:r>
               <a:rPr lang="pt-BR" dirty="0" smtClean="0"/>
-              <a:t>Dentro dos m</a:t>
-            </a:r>
-            <a:r>
-              <a:rPr lang="pt-BR" dirty="0" smtClean="0"/>
-              <a:t>étodos sobrescritos:</a:t>
+              <a:t>Dentro dos métodos sobrescritos:</a:t>
             </a:r>
           </a:p>
           <a:p>
@@ -15012,7 +14989,6 @@
               <a:rPr lang="pt-BR" dirty="0"/>
               <a:t>); </a:t>
             </a:r>
-            <a:endParaRPr lang="pt-BR" dirty="0"/>
           </a:p>
           <a:p>
             <a:pPr>
@@ -15029,11 +15005,7 @@
             </a:r>
             <a:r>
               <a:rPr lang="pt-BR" dirty="0" smtClean="0"/>
-              <a:t> </a:t>
-            </a:r>
-            <a:r>
-              <a:rPr lang="pt-BR" dirty="0" smtClean="0"/>
-              <a:t>é um bloco. Você pode definir para que ela faça qualquer coisa, mas faça um código eficiente, pois ele vai ser chamado </a:t>
+              <a:t> é um bloco. Você pode definir para que ela faça qualquer coisa, mas faça um código eficiente, pois ele vai ser chamado </a:t>
             </a:r>
             <a:r>
               <a:rPr lang="pt-BR" b="1" u="sng" dirty="0" smtClean="0"/>
@@ -15349,11 +15321,7 @@
             </a:pPr>
             <a:r>
               <a:rPr lang="pt-BR" dirty="0" smtClean="0"/>
-              <a:t>C</a:t>
-            </a:r>
-            <a:r>
-              <a:rPr lang="pt-BR" dirty="0" smtClean="0"/>
-              <a:t>ódigo no </a:t>
+              <a:t>Código no </a:t>
             </a:r>
             <a:r>
               <a:rPr lang="pt-BR" dirty="0" err="1" smtClean="0"/>
@@ -15377,6 +15345,13 @@
   <p:clrMapOvr>
     <a:masterClrMapping/>
   </p:clrMapOvr>
+  <p:timing>
+    <p:tnLst>
+      <p:par>
+        <p:cTn xmlns:p14="http://schemas.microsoft.com/office/powerpoint/2010/main" id="1" dur="indefinite" restart="never" nodeType="tmRoot"/>
+      </p:par>
+    </p:tnLst>
+  </p:timing>
 </p:sld>
 </file>
 
@@ -15441,11 +15416,7 @@
             </a:pPr>
             <a:r>
               <a:rPr lang="pt-BR" dirty="0" smtClean="0"/>
-              <a:t>Fazer os quadrados aparecerem na posi</a:t>
-            </a:r>
-            <a:r>
-              <a:rPr lang="pt-BR" dirty="0" smtClean="0"/>
-              <a:t>ção onde ocorrer um evento de </a:t>
+              <a:t>Fazer os quadrados aparecerem na posição onde ocorrer um evento de </a:t>
             </a:r>
             <a:r>
               <a:rPr lang="pt-BR" dirty="0" err="1" smtClean="0"/>
@@ -15463,7 +15434,41 @@
             </a:pPr>
             <a:r>
               <a:rPr lang="pt-BR" dirty="0" smtClean="0"/>
-              <a:t>Fazer os quadrados quicarem quando tocarem o “chão”.</a:t>
+              <a:t>Fazer os quadrados quicarem quando tocarem o “chão</a:t>
+            </a:r>
+            <a:r>
+              <a:rPr lang="pt-BR" dirty="0" smtClean="0"/>
+              <a:t>”, usando </a:t>
+            </a:r>
+            <a:r>
+              <a:rPr lang="pt-BR" dirty="0" err="1" smtClean="0"/>
+              <a:t>snap</a:t>
+            </a:r>
+            <a:r>
+              <a:rPr lang="pt-BR" dirty="0" smtClean="0"/>
+              <a:t>;</a:t>
+            </a:r>
+          </a:p>
+          <a:p>
+            <a:pPr>
+              <a:buFont typeface="Arial"/>
+              <a:buChar char="•"/>
+            </a:pPr>
+            <a:r>
+              <a:rPr lang="pt-BR" dirty="0" smtClean="0"/>
+              <a:t>Criar quadrados de cores </a:t>
+            </a:r>
+            <a:r>
+              <a:rPr lang="pt-BR" b="1" dirty="0" smtClean="0"/>
+              <a:t>realmente</a:t>
+            </a:r>
+            <a:r>
+              <a:rPr lang="pt-BR" dirty="0" smtClean="0"/>
+              <a:t> aleat</a:t>
+            </a:r>
+            <a:r>
+              <a:rPr lang="pt-BR" dirty="0" smtClean="0"/>
+              <a:t>órias.</a:t>
             </a:r>
             <a:endParaRPr lang="pt-BR" dirty="0"/>
           </a:p>
@@ -15479,6 +15484,13 @@
   <p:clrMapOvr>
     <a:masterClrMapping/>
   </p:clrMapOvr>
+  <p:timing>
+    <p:tnLst>
+      <p:par>
+        <p:cTn xmlns:p14="http://schemas.microsoft.com/office/powerpoint/2010/main" id="1" dur="indefinite" restart="never" nodeType="tmRoot"/>
+      </p:par>
+    </p:tnLst>
+  </p:timing>
 </p:sld>
 </file>
 
@@ -15543,11 +15555,7 @@
             </a:pPr>
             <a:r>
               <a:rPr lang="pt-BR" dirty="0" smtClean="0"/>
-              <a:t>Coment</a:t>
-            </a:r>
-            <a:r>
-              <a:rPr lang="pt-BR" dirty="0" smtClean="0"/>
-              <a:t>ários sobre a WWDC’15;</a:t>
+              <a:t>Comentários sobre a WWDC’15;</a:t>
             </a:r>
           </a:p>
           <a:p>
@@ -15682,11 +15690,7 @@
             </a:pPr>
             <a:r>
               <a:rPr lang="pt-BR" dirty="0" smtClean="0"/>
-              <a:t>Compreender as diferen</a:t>
-            </a:r>
-            <a:r>
-              <a:rPr lang="pt-BR" dirty="0" smtClean="0"/>
-              <a:t>ças entre a animação da aula passada e a animação da aula de hoje;</a:t>
+              <a:t>Compreender as diferenças entre a animação da aula passada e a animação da aula de hoje;</a:t>
             </a:r>
           </a:p>
           <a:p>
@@ -15766,11 +15770,7 @@
           <a:p>
             <a:r>
               <a:rPr lang="pt-BR" dirty="0" smtClean="0"/>
-              <a:t>Coment</a:t>
-            </a:r>
-            <a:r>
-              <a:rPr lang="pt-BR" dirty="0" smtClean="0"/>
-              <a:t>ários sobre a WWDC’15</a:t>
+              <a:t>Comentários sobre a WWDC’15</a:t>
             </a:r>
             <a:endParaRPr lang="pt-BR" dirty="0"/>
           </a:p>
@@ -15930,11 +15930,7 @@
           <a:p>
             <a:r>
               <a:rPr lang="pt-BR" dirty="0" smtClean="0"/>
-              <a:t>WWDC</a:t>
-            </a:r>
-            <a:r>
-              <a:rPr lang="pt-BR" dirty="0" smtClean="0"/>
-              <a:t>’15</a:t>
+              <a:t>WWDC’15</a:t>
             </a:r>
             <a:endParaRPr lang="pt-BR" dirty="0"/>
           </a:p>
@@ -16050,11 +16046,7 @@
             </a:pPr>
             <a:r>
               <a:rPr lang="pt-BR" dirty="0" smtClean="0"/>
-              <a:t>iPhone 4S receber</a:t>
-            </a:r>
-            <a:r>
-              <a:rPr lang="pt-BR" dirty="0" smtClean="0"/>
-              <a:t>á o </a:t>
+              <a:t>iPhone 4S receberá o </a:t>
             </a:r>
             <a:r>
               <a:rPr lang="pt-BR" dirty="0" err="1" smtClean="0"/>
@@ -16064,7 +16056,6 @@
               <a:rPr lang="pt-BR" dirty="0" smtClean="0"/>
               <a:t> 9 (quebra de paradigma);</a:t>
             </a:r>
-            <a:endParaRPr lang="pt-BR" dirty="0" smtClean="0"/>
           </a:p>
           <a:p>
             <a:pPr>
@@ -16113,11 +16104,7 @@
             </a:pPr>
             <a:r>
               <a:rPr lang="pt-BR" dirty="0" smtClean="0"/>
-              <a:t>N</a:t>
-            </a:r>
-            <a:r>
-              <a:rPr lang="pt-BR" dirty="0" smtClean="0"/>
-              <a:t>ão precisará mais da conta paga para testar no próprio </a:t>
+              <a:t>Não precisará mais da conta paga para testar no próprio </a:t>
             </a:r>
             <a:r>
               <a:rPr lang="pt-BR" dirty="0" err="1" smtClean="0"/>
@@ -16641,11 +16628,7 @@
           <a:p>
             <a:r>
               <a:rPr lang="pt-BR" dirty="0" smtClean="0"/>
-              <a:t>WWDC</a:t>
-            </a:r>
-            <a:r>
-              <a:rPr lang="pt-BR" dirty="0" smtClean="0"/>
-              <a:t>’15</a:t>
+              <a:t>WWDC’15</a:t>
             </a:r>
             <a:endParaRPr lang="pt-BR" dirty="0"/>
           </a:p>
@@ -16825,11 +16808,7 @@
           <a:p>
             <a:r>
               <a:rPr lang="pt-BR" dirty="0" smtClean="0"/>
-              <a:t>Anima</a:t>
-            </a:r>
-            <a:r>
-              <a:rPr lang="pt-BR" dirty="0" smtClean="0"/>
-              <a:t>ção Avançada (</a:t>
+              <a:t>Animação Avançada (</a:t>
             </a:r>
             <a:r>
               <a:rPr lang="pt-BR" dirty="0" err="1" smtClean="0"/>
@@ -16871,11 +16850,7 @@
             </a:pPr>
             <a:r>
               <a:rPr lang="pt-BR" dirty="0" smtClean="0"/>
-              <a:t>Abordagem diferente em rela</a:t>
-            </a:r>
-            <a:r>
-              <a:rPr lang="pt-BR" dirty="0" smtClean="0"/>
-              <a:t>ção ao que vimos semana passada;</a:t>
+              <a:t>Abordagem diferente em relação ao que vimos semana passada;</a:t>
             </a:r>
           </a:p>
           <a:p>
@@ -17321,11 +17296,7 @@
             </a:r>
             <a:r>
               <a:rPr lang="pt-BR" dirty="0" smtClean="0"/>
-              <a:t> (gravidade, colis</a:t>
-            </a:r>
-            <a:r>
-              <a:rPr lang="pt-BR" dirty="0" smtClean="0"/>
-              <a:t>ões, </a:t>
+              <a:t> (gravidade, colisões, </a:t>
             </a:r>
             <a:r>
               <a:rPr lang="pt-BR" dirty="0" err="1" smtClean="0"/>
@@ -17872,11 +17843,6 @@
               </a:rPr>
               <a:t> </a:t>
             </a:r>
-            <a:endParaRPr lang="en-US" b="1" dirty="0">
-              <a:solidFill>
-                <a:srgbClr val="FF00FF"/>
-              </a:solidFill>
-            </a:endParaRPr>
           </a:p>
           <a:p>
             <a:pPr lvl="1">
@@ -17899,11 +17865,7 @@
             </a:pPr>
             <a:r>
               <a:rPr lang="en-US" dirty="0" smtClean="0"/>
-              <a:t>Boundary (</a:t>
-            </a:r>
-            <a:r>
-              <a:rPr lang="en-US" dirty="0" smtClean="0"/>
-              <a:t>“</a:t>
+              <a:t>Boundary (“</a:t>
             </a:r>
             <a:r>
               <a:rPr lang="en-US" dirty="0" err="1" smtClean="0"/>
@@ -17959,11 +17921,6 @@
               </a:rPr>
               <a:t> </a:t>
             </a:r>
-            <a:endParaRPr lang="en-US" b="1" dirty="0">
-              <a:solidFill>
-                <a:srgbClr val="FF00FF"/>
-              </a:solidFill>
-            </a:endParaRPr>
           </a:p>
           <a:p>
             <a:pPr lvl="1">
